--- a/docs/PBL2_プロダクトビジョン.pptx
+++ b/docs/PBL2_プロダクトビジョン.pptx
@@ -3280,10 +3280,6 @@
           <a:lstStyle/>
           <a:p>
             <a:r>
-              <a:rPr lang="en-US" altLang="ja-JP" sz="4400" dirty="0" smtClean="0"/>
-              <a:t>[</a:t>
-            </a:r>
-            <a:r>
               <a:rPr lang="ja-JP" altLang="en-US" sz="4400" b="1" dirty="0" smtClean="0">
                 <a:solidFill>
                   <a:schemeClr val="accent1">
@@ -3291,21 +3287,27 @@
                   </a:schemeClr>
                 </a:solidFill>
               </a:rPr>
-              <a:t>承認欲求を満</a:t>
-            </a:r>
-            <a:r>
-              <a:rPr lang="ja-JP" altLang="en-US" sz="4400" b="1" dirty="0" err="1" smtClean="0">
+              <a:t>承認</a:t>
+            </a:r>
+            <a:r>
+              <a:rPr lang="ja-JP" altLang="en-US" sz="4400" b="1" dirty="0" smtClean="0">
                 <a:solidFill>
                   <a:schemeClr val="accent1">
                     <a:lumMod val="50000"/>
                   </a:schemeClr>
                 </a:solidFill>
               </a:rPr>
-              <a:t>た</a:t>
-            </a:r>
-            <a:r>
-              <a:rPr lang="en-US" altLang="ja-JP" sz="4400" dirty="0" smtClean="0"/>
-              <a:t>]</a:t>
+              <a:t>欲求を</a:t>
+            </a:r>
+            <a:r>
+              <a:rPr lang="ja-JP" altLang="en-US" sz="4400" b="1" dirty="0" smtClean="0">
+                <a:solidFill>
+                  <a:schemeClr val="accent1">
+                    <a:lumMod val="50000"/>
+                  </a:schemeClr>
+                </a:solidFill>
+              </a:rPr>
+              <a:t>満た</a:t>
             </a:r>
             <a:r>
               <a:rPr lang="ja-JP" altLang="en-US" sz="4400" dirty="0" smtClean="0"/>
@@ -3314,10 +3316,6 @@
             <a:endParaRPr lang="en-US" altLang="ja-JP" sz="4400" dirty="0" smtClean="0"/>
           </a:p>
           <a:p>
-            <a:r>
-              <a:rPr kumimoji="1" lang="en-US" altLang="ja-JP" sz="4400" dirty="0" smtClean="0"/>
-              <a:t>[</a:t>
-            </a:r>
             <a:r>
               <a:rPr kumimoji="1" lang="ja-JP" altLang="en-US" sz="4400" b="1" dirty="0" smtClean="0">
                 <a:solidFill>
@@ -3329,20 +3327,16 @@
               <a:t>ツイッターオタク</a:t>
             </a:r>
             <a:r>
-              <a:rPr kumimoji="1" lang="en-US" altLang="ja-JP" sz="4400" dirty="0" smtClean="0"/>
-              <a:t>]</a:t>
-            </a:r>
-            <a:r>
               <a:rPr kumimoji="1" lang="ja-JP" altLang="en-US" sz="4400" dirty="0" smtClean="0"/>
-              <a:t>向けの、</a:t>
+              <a:t>向けの</a:t>
+            </a:r>
+            <a:r>
+              <a:rPr kumimoji="1" lang="ja-JP" altLang="en-US" sz="4400" dirty="0" smtClean="0"/>
+              <a:t>、</a:t>
             </a:r>
             <a:endParaRPr kumimoji="1" lang="en-US" altLang="ja-JP" sz="4400" dirty="0" smtClean="0"/>
           </a:p>
           <a:p>
-            <a:r>
-              <a:rPr lang="en-US" altLang="ja-JP" sz="4400" dirty="0" smtClean="0"/>
-              <a:t>[</a:t>
-            </a:r>
             <a:r>
               <a:rPr lang="en-US" altLang="ja-JP" sz="4400" b="1" dirty="0" err="1" smtClean="0">
                 <a:solidFill>
@@ -3354,20 +3348,16 @@
               <a:t>Ikitter</a:t>
             </a:r>
             <a:r>
-              <a:rPr lang="en-US" altLang="ja-JP" sz="4400" dirty="0" smtClean="0"/>
-              <a:t>]</a:t>
-            </a:r>
-            <a:r>
               <a:rPr lang="ja-JP" altLang="en-US" sz="4400" dirty="0" smtClean="0"/>
-              <a:t>というシステムは、</a:t>
+              <a:t>と</a:t>
+            </a:r>
+            <a:r>
+              <a:rPr lang="ja-JP" altLang="en-US" sz="4400" dirty="0" smtClean="0"/>
+              <a:t>いうシステムは、</a:t>
             </a:r>
             <a:endParaRPr lang="en-US" altLang="ja-JP" sz="4400" dirty="0" smtClean="0"/>
           </a:p>
           <a:p>
-            <a:r>
-              <a:rPr kumimoji="1" lang="en-US" altLang="ja-JP" sz="4400" dirty="0" smtClean="0"/>
-              <a:t>[</a:t>
-            </a:r>
             <a:r>
               <a:rPr kumimoji="1" lang="en-US" altLang="ja-JP" sz="4400" b="1" dirty="0" smtClean="0">
                 <a:solidFill>
@@ -3409,23 +3399,23 @@
               <a:t>サービス</a:t>
             </a:r>
             <a:r>
-              <a:rPr kumimoji="1" lang="en-US" altLang="ja-JP" sz="4400" dirty="0" smtClean="0"/>
-              <a:t>]</a:t>
-            </a:r>
-            <a:r>
               <a:rPr kumimoji="1" lang="ja-JP" altLang="en-US" sz="4400" dirty="0" smtClean="0"/>
-              <a:t>である。</a:t>
+              <a:t>で</a:t>
+            </a:r>
+            <a:r>
+              <a:rPr kumimoji="1" lang="ja-JP" altLang="en-US" sz="4400" dirty="0" smtClean="0"/>
+              <a:t>ある。</a:t>
             </a:r>
             <a:endParaRPr kumimoji="1" lang="en-US" altLang="ja-JP" sz="4400" dirty="0" smtClean="0"/>
           </a:p>
           <a:p>
             <a:r>
               <a:rPr lang="ja-JP" altLang="en-US" sz="4400" dirty="0" smtClean="0"/>
-              <a:t>これは</a:t>
-            </a:r>
-            <a:r>
-              <a:rPr lang="en-US" altLang="ja-JP" sz="4400" dirty="0" smtClean="0"/>
-              <a:t>[</a:t>
+              <a:t>これ</a:t>
+            </a:r>
+            <a:r>
+              <a:rPr lang="ja-JP" altLang="en-US" sz="4400" dirty="0" smtClean="0"/>
+              <a:t>は</a:t>
             </a:r>
             <a:r>
               <a:rPr lang="ja-JP" altLang="en-US" sz="4400" b="1" dirty="0" smtClean="0">
@@ -3435,26 +3425,7 @@
                   </a:schemeClr>
                 </a:solidFill>
               </a:rPr>
-              <a:t>影響力を可視化</a:t>
-            </a:r>
-            <a:r>
-              <a:rPr lang="en-US" altLang="ja-JP" sz="4400" dirty="0" smtClean="0"/>
-              <a:t>]</a:t>
-            </a:r>
-            <a:r>
-              <a:rPr lang="ja-JP" altLang="en-US" sz="4400" dirty="0" smtClean="0"/>
-              <a:t>でき</a:t>
-            </a:r>
-            <a:r>
-              <a:rPr lang="ja-JP" altLang="en-US" sz="4400" dirty="0" smtClean="0"/>
-              <a:t>、</a:t>
-            </a:r>
-            <a:endParaRPr lang="en-US" altLang="ja-JP" sz="4400" dirty="0" smtClean="0"/>
-          </a:p>
-          <a:p>
-            <a:r>
-              <a:rPr kumimoji="1" lang="en-US" altLang="ja-JP" sz="4400" dirty="0" smtClean="0"/>
-              <a:t>[</a:t>
+              <a:t>影響力</a:t>
             </a:r>
             <a:r>
               <a:rPr lang="ja-JP" altLang="en-US" sz="4400" b="1" dirty="0" smtClean="0">
@@ -3464,25 +3435,72 @@
                   </a:schemeClr>
                 </a:solidFill>
               </a:rPr>
-              <a:t>ただ可視化させる他サービス</a:t>
-            </a:r>
-            <a:r>
-              <a:rPr kumimoji="1" lang="en-US" altLang="ja-JP" sz="4400" dirty="0" smtClean="0"/>
-              <a:t>]</a:t>
+              <a:t>を</a:t>
+            </a:r>
+            <a:r>
+              <a:rPr lang="ja-JP" altLang="en-US" sz="4400" b="1" dirty="0" smtClean="0">
+                <a:solidFill>
+                  <a:schemeClr val="accent1">
+                    <a:lumMod val="50000"/>
+                  </a:schemeClr>
+                </a:solidFill>
+              </a:rPr>
+              <a:t>可視化</a:t>
+            </a:r>
+            <a:r>
+              <a:rPr lang="ja-JP" altLang="en-US" sz="4400" dirty="0" smtClean="0"/>
+              <a:t>でき</a:t>
+            </a:r>
+            <a:r>
+              <a:rPr lang="ja-JP" altLang="en-US" sz="4400" dirty="0" smtClean="0"/>
+              <a:t>、</a:t>
+            </a:r>
+            <a:endParaRPr lang="en-US" altLang="ja-JP" sz="4400" dirty="0" smtClean="0"/>
+          </a:p>
+          <a:p>
+            <a:r>
+              <a:rPr lang="ja-JP" altLang="en-US" sz="4400" b="1" dirty="0" smtClean="0">
+                <a:solidFill>
+                  <a:schemeClr val="accent1">
+                    <a:lumMod val="50000"/>
+                  </a:schemeClr>
+                </a:solidFill>
+              </a:rPr>
+              <a:t>ただ</a:t>
+            </a:r>
+            <a:r>
+              <a:rPr lang="ja-JP" altLang="en-US" sz="4400" b="1" dirty="0" smtClean="0">
+                <a:solidFill>
+                  <a:schemeClr val="accent1">
+                    <a:lumMod val="50000"/>
+                  </a:schemeClr>
+                </a:solidFill>
+              </a:rPr>
+              <a:t>可視化させる他</a:t>
+            </a:r>
+            <a:r>
+              <a:rPr lang="ja-JP" altLang="en-US" sz="4400" b="1" dirty="0" smtClean="0">
+                <a:solidFill>
+                  <a:schemeClr val="accent1">
+                    <a:lumMod val="50000"/>
+                  </a:schemeClr>
+                </a:solidFill>
+              </a:rPr>
+              <a:t>サービス</a:t>
             </a:r>
             <a:r>
               <a:rPr kumimoji="1" lang="ja-JP" altLang="en-US" sz="4400" dirty="0" smtClean="0"/>
-              <a:t>とは違って、</a:t>
+              <a:t>と</a:t>
+            </a:r>
+            <a:r>
+              <a:rPr kumimoji="1" lang="ja-JP" altLang="en-US" sz="4400" dirty="0" smtClean="0"/>
+              <a:t>は違って、</a:t>
             </a:r>
             <a:endParaRPr kumimoji="1" lang="en-US" altLang="ja-JP" sz="4400" dirty="0" smtClean="0"/>
           </a:p>
           <a:p>
             <a:r>
-              <a:rPr lang="en-US" altLang="ja-JP" sz="4400" dirty="0" smtClean="0"/>
-              <a:t>[</a:t>
-            </a:r>
-            <a:r>
-              <a:rPr lang="ja-JP" altLang="en-US" sz="4400" b="1" dirty="0">
+              <a:rPr lang="ja-JP" altLang="en-US" sz="4400" b="1" dirty="0" smtClean="0">
                 <a:solidFill>
                   <a:schemeClr val="accent1">
                     <a:lumMod val="50000"/>
@@ -3499,15 +3517,25 @@
                   </a:schemeClr>
                 </a:solidFill>
               </a:rPr>
-              <a:t>につながる可能性</a:t>
-            </a:r>
-            <a:r>
-              <a:rPr lang="en-US" altLang="ja-JP" sz="4400" dirty="0" smtClean="0"/>
-              <a:t>]</a:t>
+              <a:t>につながる</a:t>
+            </a:r>
+            <a:r>
+              <a:rPr lang="ja-JP" altLang="en-US" sz="4400" b="1" dirty="0" smtClean="0">
+                <a:solidFill>
+                  <a:schemeClr val="accent1">
+                    <a:lumMod val="50000"/>
+                  </a:schemeClr>
+                </a:solidFill>
+              </a:rPr>
+              <a:t>可能性</a:t>
             </a:r>
             <a:r>
               <a:rPr lang="ja-JP" altLang="en-US" sz="4400" dirty="0" smtClean="0"/>
-              <a:t>を秘めている。</a:t>
+              <a:t>を</a:t>
+            </a:r>
+            <a:r>
+              <a:rPr lang="ja-JP" altLang="en-US" sz="4400" dirty="0" smtClean="0"/>
+              <a:t>秘めている。</a:t>
             </a:r>
             <a:endParaRPr kumimoji="1" lang="ja-JP" altLang="en-US" sz="4400" dirty="0"/>
           </a:p>
